--- a/SD_TestAutomation_Presentation.pptx
+++ b/SD_TestAutomation_Presentation.pptx
@@ -323,17 +323,6 @@
     </p:ext>
   </p:extLst>
 </p:presentation>
-</file>
-
-<file path=ppt/revisionInfo.xml><?xml version="1.0" encoding="utf-8"?>
-<p1510:revInfo xmlns:a="http://schemas.openxmlformats.org/drawingml/2006/main" xmlns:r="http://schemas.openxmlformats.org/officeDocument/2006/relationships" xmlns:p1510="http://schemas.microsoft.com/office/powerpoint/2015/10/main">
-  <p1510:revLst>
-    <p1510:client id="{0BB73EDD-4E99-4445-A7FC-E566534CA65B}" v="143" dt="2022-06-27T12:46:00.469"/>
-    <p1510:client id="{6DA13C15-2D29-433D-9DE0-222401E6D2B2}" v="95" dt="2022-06-27T12:45:19.441"/>
-    <p1510:client id="{8931E50C-2909-4A77-9B1D-9E665CCDE0F0}" v="7" dt="2022-06-27T13:12:26.182"/>
-    <p1510:client id="{91F66A75-D5AA-D177-E914-C534D60641AF}" v="78" dt="2022-06-27T12:38:21.792"/>
-  </p1510:revLst>
-</p1510:revInfo>
 </file>
 
 <file path=ppt/notesMasters/notesMaster1.xml><?xml version="1.0" encoding="utf-8"?>
@@ -4442,7 +4431,7 @@
           <a:p>
             <a:pPr algn="ctr"/>
             <a:r>
-              <a:rPr lang="en-US" sz="13800" b="0" cap="none" spc="0">
+              <a:rPr lang="en-US" sz="13800" b="0" cap="none" spc="0" dirty="0">
                 <a:ln w="0"/>
                 <a:solidFill>
                   <a:srgbClr val="E33661"/>
@@ -4454,7 +4443,7 @@
               <a:t>Agenda</a:t>
             </a:r>
             <a:r>
-              <a:rPr lang="en-US" sz="5400" b="0" cap="none" spc="0">
+              <a:rPr lang="en-US" sz="5400" b="0" cap="none" spc="0" dirty="0">
                 <a:ln w="0"/>
                 <a:solidFill>
                   <a:srgbClr val="E33661"/>
@@ -4496,12 +4485,6 @@
           </a:bodyPr>
           <a:lstStyle/>
           <a:p>
-            <a:r>
-              <a:rPr lang="en-GB" dirty="0"/>
-              <a:t>A test automation framework using the Page Object Model for the Sauce Demo website:</a:t>
-            </a:r>
-          </a:p>
-          <a:p>
             <a:pPr marL="571500" indent="-571500">
               <a:buFont typeface="Arial" panose="020B0604020202020204" pitchFamily="34" charset="0"/>
               <a:buChar char="•"/>
@@ -4559,139 +4542,6 @@
     <a:masterClrMapping/>
   </p:clrMapOvr>
   <p:transition spd="med"/>
-  <p:timing>
-    <p:tnLst>
-      <p:par>
-        <p:cTn id="1" dur="indefinite" restart="never" nodeType="tmRoot">
-          <p:childTnLst>
-            <p:seq concurrent="1" nextAc="seek">
-              <p:cTn id="2" dur="indefinite" nodeType="mainSeq">
-                <p:childTnLst>
-                  <p:par>
-                    <p:cTn id="3" fill="hold">
-                      <p:stCondLst>
-                        <p:cond delay="indefinite"/>
-                      </p:stCondLst>
-                      <p:childTnLst>
-                        <p:par>
-                          <p:cTn id="4" fill="hold">
-                            <p:stCondLst>
-                              <p:cond delay="0"/>
-                            </p:stCondLst>
-                            <p:childTnLst>
-                              <p:par>
-                                <p:cTn id="5" presetID="2" presetClass="entr" presetSubtype="4" fill="hold" nodeType="clickEffect">
-                                  <p:stCondLst>
-                                    <p:cond delay="0"/>
-                                  </p:stCondLst>
-                                  <p:childTnLst>
-                                    <p:set>
-                                      <p:cBhvr>
-                                        <p:cTn id="6" dur="1" fill="hold">
-                                          <p:stCondLst>
-                                            <p:cond delay="0"/>
-                                          </p:stCondLst>
-                                        </p:cTn>
-                                        <p:tgtEl>
-                                          <p:spTgt spid="3">
-                                            <p:txEl>
-                                              <p:pRg st="0" end="0"/>
-                                            </p:txEl>
-                                          </p:spTgt>
-                                        </p:tgtEl>
-                                        <p:attrNameLst>
-                                          <p:attrName>style.visibility</p:attrName>
-                                        </p:attrNameLst>
-                                      </p:cBhvr>
-                                      <p:to>
-                                        <p:strVal val="visible"/>
-                                      </p:to>
-                                    </p:set>
-                                    <p:anim calcmode="lin" valueType="num">
-                                      <p:cBhvr additive="base">
-                                        <p:cTn id="7" dur="500" fill="hold"/>
-                                        <p:tgtEl>
-                                          <p:spTgt spid="3">
-                                            <p:txEl>
-                                              <p:pRg st="0" end="0"/>
-                                            </p:txEl>
-                                          </p:spTgt>
-                                        </p:tgtEl>
-                                        <p:attrNameLst>
-                                          <p:attrName>ppt_x</p:attrName>
-                                        </p:attrNameLst>
-                                      </p:cBhvr>
-                                      <p:tavLst>
-                                        <p:tav tm="0">
-                                          <p:val>
-                                            <p:strVal val="#ppt_x"/>
-                                          </p:val>
-                                        </p:tav>
-                                        <p:tav tm="100000">
-                                          <p:val>
-                                            <p:strVal val="#ppt_x"/>
-                                          </p:val>
-                                        </p:tav>
-                                      </p:tavLst>
-                                    </p:anim>
-                                    <p:anim calcmode="lin" valueType="num">
-                                      <p:cBhvr additive="base">
-                                        <p:cTn id="8" dur="500" fill="hold"/>
-                                        <p:tgtEl>
-                                          <p:spTgt spid="3">
-                                            <p:txEl>
-                                              <p:pRg st="0" end="0"/>
-                                            </p:txEl>
-                                          </p:spTgt>
-                                        </p:tgtEl>
-                                        <p:attrNameLst>
-                                          <p:attrName>ppt_y</p:attrName>
-                                        </p:attrNameLst>
-                                      </p:cBhvr>
-                                      <p:tavLst>
-                                        <p:tav tm="0">
-                                          <p:val>
-                                            <p:strVal val="1+#ppt_h/2"/>
-                                          </p:val>
-                                        </p:tav>
-                                        <p:tav tm="100000">
-                                          <p:val>
-                                            <p:strVal val="#ppt_y"/>
-                                          </p:val>
-                                        </p:tav>
-                                      </p:tavLst>
-                                    </p:anim>
-                                  </p:childTnLst>
-                                </p:cTn>
-                              </p:par>
-                            </p:childTnLst>
-                          </p:cTn>
-                        </p:par>
-                      </p:childTnLst>
-                    </p:cTn>
-                  </p:par>
-                </p:childTnLst>
-              </p:cTn>
-              <p:prevCondLst>
-                <p:cond evt="onPrev" delay="0">
-                  <p:tgtEl>
-                    <p:sldTgt/>
-                  </p:tgtEl>
-                </p:cond>
-              </p:prevCondLst>
-              <p:nextCondLst>
-                <p:cond evt="onNext" delay="0">
-                  <p:tgtEl>
-                    <p:sldTgt/>
-                  </p:tgtEl>
-                </p:cond>
-              </p:nextCondLst>
-            </p:seq>
-          </p:childTnLst>
-        </p:cTn>
-      </p:par>
-    </p:tnLst>
-  </p:timing>
 </p:sld>
 </file>
 
@@ -5013,6 +4863,36 @@
           </a:p>
         </p:txBody>
       </p:sp>
+      <p:pic>
+        <p:nvPicPr>
+          <p:cNvPr id="6" name="Picture 5">
+            <a:extLst>
+              <a:ext uri="{FF2B5EF4-FFF2-40B4-BE49-F238E27FC236}">
+                <a16:creationId xmlns:a16="http://schemas.microsoft.com/office/drawing/2014/main" id="{29AE71AA-CC4C-DCBA-0ACB-606FEE0B40E4}"/>
+              </a:ext>
+            </a:extLst>
+          </p:cNvPr>
+          <p:cNvPicPr>
+            <a:picLocks noChangeAspect="1"/>
+          </p:cNvPicPr>
+          <p:nvPr/>
+        </p:nvPicPr>
+        <p:blipFill>
+          <a:blip r:embed="rId2"/>
+          <a:stretch>
+            <a:fillRect/>
+          </a:stretch>
+        </p:blipFill>
+        <p:spPr>
+          <a:xfrm>
+            <a:off x="5029201" y="2382724"/>
+            <a:ext cx="13751168" cy="10093150"/>
+          </a:xfrm>
+          <a:prstGeom prst="rect">
+            <a:avLst/>
+          </a:prstGeom>
+        </p:spPr>
+      </p:pic>
     </p:spTree>
     <p:extLst>
       <p:ext uri="{BB962C8B-B14F-4D97-AF65-F5344CB8AC3E}">
